--- a/排序算法分享.pptx
+++ b/排序算法分享.pptx
@@ -22,6 +22,7 @@
     <p:sldId id="268" r:id="rId16"/>
     <p:sldId id="270" r:id="rId17"/>
     <p:sldId id="272" r:id="rId18"/>
+    <p:sldId id="274" r:id="rId19"/>
   </p:sldIdLst>
   <p:sldSz cx="12192000" cy="6858000"/>
   <p:notesSz cx="6858000" cy="9144000"/>
@@ -11090,6 +11091,500 @@
 </p:sld>
 </file>
 
+<file path=ppt/slides/slide18.xml><?xml version="1.0" encoding="utf-8"?>
+<p:sld xmlns:a="http://schemas.openxmlformats.org/drawingml/2006/main" xmlns:r="http://schemas.openxmlformats.org/officeDocument/2006/relationships" xmlns:p="http://schemas.openxmlformats.org/presentationml/2006/main">
+  <p:cSld>
+    <p:spTree>
+      <p:nvGrpSpPr>
+        <p:cNvPr id="1" name=""/>
+        <p:cNvGrpSpPr/>
+        <p:nvPr/>
+      </p:nvGrpSpPr>
+      <p:grpSpPr>
+        <a:xfrm>
+          <a:off x="0" y="0"/>
+          <a:ext cx="0" cy="0"/>
+          <a:chOff x="0" y="0"/>
+          <a:chExt cx="0" cy="0"/>
+        </a:xfrm>
+      </p:grpSpPr>
+      <p:sp>
+        <p:nvSpPr>
+          <p:cNvPr id="4" name="矩形 3"/>
+          <p:cNvSpPr/>
+          <p:nvPr/>
+        </p:nvSpPr>
+        <p:spPr>
+          <a:xfrm>
+            <a:off x="981511" y="302004"/>
+            <a:ext cx="10628852" cy="5078313"/>
+          </a:xfrm>
+          <a:prstGeom prst="rect">
+            <a:avLst/>
+          </a:prstGeom>
+        </p:spPr>
+        <p:txBody>
+          <a:bodyPr wrap="square">
+            <a:spAutoFit/>
+          </a:bodyPr>
+          <a:lstStyle/>
+          <a:p>
+            <a:r>
+              <a:rPr lang="zh-CN" altLang="en-US" dirty="0">
+                <a:latin typeface="Arial" panose="020B0604020202020204" pitchFamily="34" charset="0"/>
+              </a:rPr>
+              <a:t>小和问题和逆序对</a:t>
+            </a:r>
+            <a:r>
+              <a:rPr lang="zh-CN" altLang="en-US" dirty="0" smtClean="0">
+                <a:latin typeface="Arial" panose="020B0604020202020204" pitchFamily="34" charset="0"/>
+              </a:rPr>
+              <a:t>问题</a:t>
+            </a:r>
+            <a:endParaRPr lang="en-US" altLang="zh-CN" dirty="0" smtClean="0">
+              <a:latin typeface="Arial" panose="020B0604020202020204" pitchFamily="34" charset="0"/>
+            </a:endParaRPr>
+          </a:p>
+          <a:p>
+            <a:endParaRPr lang="en-US" altLang="zh-CN" dirty="0">
+              <a:latin typeface="Arial" panose="020B0604020202020204" pitchFamily="34" charset="0"/>
+            </a:endParaRPr>
+          </a:p>
+          <a:p>
+            <a:r>
+              <a:rPr lang="zh-CN" altLang="en-US" dirty="0" smtClean="0">
+                <a:latin typeface="Arial" panose="020B0604020202020204" pitchFamily="34" charset="0"/>
+              </a:rPr>
+              <a:t>小</a:t>
+            </a:r>
+            <a:r>
+              <a:rPr lang="zh-CN" altLang="en-US" dirty="0">
+                <a:latin typeface="Arial" panose="020B0604020202020204" pitchFamily="34" charset="0"/>
+              </a:rPr>
+              <a:t>和</a:t>
+            </a:r>
+            <a:r>
+              <a:rPr lang="zh-CN" altLang="en-US" dirty="0" smtClean="0">
+                <a:latin typeface="Arial" panose="020B0604020202020204" pitchFamily="34" charset="0"/>
+              </a:rPr>
+              <a:t>问题</a:t>
+            </a:r>
+            <a:endParaRPr lang="en-US" altLang="zh-CN" dirty="0" smtClean="0">
+              <a:latin typeface="Arial" panose="020B0604020202020204" pitchFamily="34" charset="0"/>
+            </a:endParaRPr>
+          </a:p>
+          <a:p>
+            <a:endParaRPr lang="en-US" altLang="zh-CN" dirty="0">
+              <a:latin typeface="Arial" panose="020B0604020202020204" pitchFamily="34" charset="0"/>
+            </a:endParaRPr>
+          </a:p>
+          <a:p>
+            <a:r>
+              <a:rPr lang="zh-CN" altLang="en-US" dirty="0" smtClean="0">
+                <a:latin typeface="Arial" panose="020B0604020202020204" pitchFamily="34" charset="0"/>
+              </a:rPr>
+              <a:t>在</a:t>
+            </a:r>
+            <a:r>
+              <a:rPr lang="zh-CN" altLang="en-US" dirty="0">
+                <a:latin typeface="Arial" panose="020B0604020202020204" pitchFamily="34" charset="0"/>
+              </a:rPr>
+              <a:t>一个数组中，每一个数左边比当前数小的数累加起来，叫做这个数组的小和</a:t>
+            </a:r>
+            <a:r>
+              <a:rPr lang="zh-CN" altLang="en-US" dirty="0" smtClean="0">
+                <a:latin typeface="Arial" panose="020B0604020202020204" pitchFamily="34" charset="0"/>
+              </a:rPr>
+              <a:t>。</a:t>
+            </a:r>
+            <a:endParaRPr lang="en-US" altLang="zh-CN" dirty="0" smtClean="0">
+              <a:latin typeface="Arial" panose="020B0604020202020204" pitchFamily="34" charset="0"/>
+            </a:endParaRPr>
+          </a:p>
+          <a:p>
+            <a:r>
+              <a:rPr lang="zh-CN" altLang="en-US" dirty="0" smtClean="0">
+                <a:latin typeface="Arial" panose="020B0604020202020204" pitchFamily="34" charset="0"/>
+              </a:rPr>
+              <a:t>求</a:t>
+            </a:r>
+            <a:r>
+              <a:rPr lang="zh-CN" altLang="en-US" dirty="0">
+                <a:latin typeface="Arial" panose="020B0604020202020204" pitchFamily="34" charset="0"/>
+              </a:rPr>
+              <a:t>一个数组的小和</a:t>
+            </a:r>
+            <a:r>
+              <a:rPr lang="zh-CN" altLang="en-US" dirty="0" smtClean="0">
+                <a:latin typeface="Arial" panose="020B0604020202020204" pitchFamily="34" charset="0"/>
+              </a:rPr>
+              <a:t>。</a:t>
+            </a:r>
+            <a:endParaRPr lang="en-US" altLang="zh-CN" dirty="0" smtClean="0">
+              <a:latin typeface="Arial" panose="020B0604020202020204" pitchFamily="34" charset="0"/>
+            </a:endParaRPr>
+          </a:p>
+          <a:p>
+            <a:r>
+              <a:rPr lang="zh-CN" altLang="en-US" dirty="0" smtClean="0">
+                <a:latin typeface="Arial" panose="020B0604020202020204" pitchFamily="34" charset="0"/>
+              </a:rPr>
+              <a:t>例子：</a:t>
+            </a:r>
+            <a:endParaRPr lang="en-US" altLang="zh-CN" dirty="0" smtClean="0">
+              <a:latin typeface="Arial" panose="020B0604020202020204" pitchFamily="34" charset="0"/>
+            </a:endParaRPr>
+          </a:p>
+          <a:p>
+            <a:r>
+              <a:rPr lang="en-US" altLang="zh-CN" dirty="0" smtClean="0">
+                <a:latin typeface="Arial" panose="020B0604020202020204" pitchFamily="34" charset="0"/>
+              </a:rPr>
+              <a:t>[</a:t>
+            </a:r>
+            <a:r>
+              <a:rPr lang="en-US" altLang="zh-CN" dirty="0">
+                <a:latin typeface="Arial" panose="020B0604020202020204" pitchFamily="34" charset="0"/>
+              </a:rPr>
+              <a:t>1,3,4,2,5</a:t>
+            </a:r>
+            <a:r>
+              <a:rPr lang="en-US" altLang="zh-CN" dirty="0" smtClean="0">
+                <a:latin typeface="Arial" panose="020B0604020202020204" pitchFamily="34" charset="0"/>
+              </a:rPr>
+              <a:t>]</a:t>
+            </a:r>
+          </a:p>
+          <a:p>
+            <a:r>
+              <a:rPr lang="en-US" altLang="zh-CN" dirty="0" smtClean="0">
+                <a:latin typeface="Arial" panose="020B0604020202020204" pitchFamily="34" charset="0"/>
+              </a:rPr>
+              <a:t>1</a:t>
+            </a:r>
+            <a:r>
+              <a:rPr lang="zh-CN" altLang="en-US" dirty="0">
+                <a:latin typeface="Arial" panose="020B0604020202020204" pitchFamily="34" charset="0"/>
+              </a:rPr>
+              <a:t>左边比</a:t>
+            </a:r>
+            <a:r>
+              <a:rPr lang="en-US" altLang="zh-CN" dirty="0">
+                <a:latin typeface="Arial" panose="020B0604020202020204" pitchFamily="34" charset="0"/>
+              </a:rPr>
+              <a:t>1</a:t>
+            </a:r>
+            <a:r>
+              <a:rPr lang="zh-CN" altLang="en-US" dirty="0">
+                <a:latin typeface="Arial" panose="020B0604020202020204" pitchFamily="34" charset="0"/>
+              </a:rPr>
+              <a:t>小的数，没有</a:t>
+            </a:r>
+            <a:r>
+              <a:rPr lang="zh-CN" altLang="en-US" dirty="0" smtClean="0">
+                <a:latin typeface="Arial" panose="020B0604020202020204" pitchFamily="34" charset="0"/>
+              </a:rPr>
+              <a:t>；</a:t>
+            </a:r>
+            <a:endParaRPr lang="en-US" altLang="zh-CN" dirty="0" smtClean="0">
+              <a:latin typeface="Arial" panose="020B0604020202020204" pitchFamily="34" charset="0"/>
+            </a:endParaRPr>
+          </a:p>
+          <a:p>
+            <a:r>
+              <a:rPr lang="en-US" altLang="zh-CN" dirty="0" smtClean="0">
+                <a:latin typeface="Arial" panose="020B0604020202020204" pitchFamily="34" charset="0"/>
+              </a:rPr>
+              <a:t>3</a:t>
+            </a:r>
+            <a:r>
+              <a:rPr lang="zh-CN" altLang="en-US" dirty="0">
+                <a:latin typeface="Arial" panose="020B0604020202020204" pitchFamily="34" charset="0"/>
+              </a:rPr>
+              <a:t>左边比</a:t>
+            </a:r>
+            <a:r>
+              <a:rPr lang="en-US" altLang="zh-CN" dirty="0">
+                <a:latin typeface="Arial" panose="020B0604020202020204" pitchFamily="34" charset="0"/>
+              </a:rPr>
+              <a:t>3</a:t>
+            </a:r>
+            <a:r>
+              <a:rPr lang="zh-CN" altLang="en-US" dirty="0">
+                <a:latin typeface="Arial" panose="020B0604020202020204" pitchFamily="34" charset="0"/>
+              </a:rPr>
+              <a:t>小的数，</a:t>
+            </a:r>
+            <a:r>
+              <a:rPr lang="en-US" altLang="zh-CN" dirty="0">
+                <a:latin typeface="Arial" panose="020B0604020202020204" pitchFamily="34" charset="0"/>
+              </a:rPr>
+              <a:t>1</a:t>
+            </a:r>
+            <a:r>
+              <a:rPr lang="zh-CN" altLang="en-US" dirty="0" smtClean="0">
+                <a:latin typeface="Arial" panose="020B0604020202020204" pitchFamily="34" charset="0"/>
+              </a:rPr>
+              <a:t>；</a:t>
+            </a:r>
+            <a:endParaRPr lang="en-US" altLang="zh-CN" dirty="0" smtClean="0">
+              <a:latin typeface="Arial" panose="020B0604020202020204" pitchFamily="34" charset="0"/>
+            </a:endParaRPr>
+          </a:p>
+          <a:p>
+            <a:r>
+              <a:rPr lang="en-US" altLang="zh-CN" dirty="0" smtClean="0">
+                <a:latin typeface="Arial" panose="020B0604020202020204" pitchFamily="34" charset="0"/>
+              </a:rPr>
+              <a:t>4</a:t>
+            </a:r>
+            <a:r>
+              <a:rPr lang="zh-CN" altLang="en-US" dirty="0">
+                <a:latin typeface="Arial" panose="020B0604020202020204" pitchFamily="34" charset="0"/>
+              </a:rPr>
+              <a:t>左边比</a:t>
+            </a:r>
+            <a:r>
+              <a:rPr lang="en-US" altLang="zh-CN" dirty="0">
+                <a:latin typeface="Arial" panose="020B0604020202020204" pitchFamily="34" charset="0"/>
+              </a:rPr>
+              <a:t>4</a:t>
+            </a:r>
+            <a:r>
+              <a:rPr lang="zh-CN" altLang="en-US" dirty="0">
+                <a:latin typeface="Arial" panose="020B0604020202020204" pitchFamily="34" charset="0"/>
+              </a:rPr>
+              <a:t>小的数，</a:t>
+            </a:r>
+            <a:r>
+              <a:rPr lang="en-US" altLang="zh-CN" dirty="0">
+                <a:latin typeface="Arial" panose="020B0604020202020204" pitchFamily="34" charset="0"/>
+              </a:rPr>
+              <a:t>1</a:t>
+            </a:r>
+            <a:r>
+              <a:rPr lang="zh-CN" altLang="en-US" dirty="0">
+                <a:latin typeface="Arial" panose="020B0604020202020204" pitchFamily="34" charset="0"/>
+              </a:rPr>
+              <a:t>、</a:t>
+            </a:r>
+            <a:r>
+              <a:rPr lang="en-US" altLang="zh-CN" dirty="0">
+                <a:latin typeface="Arial" panose="020B0604020202020204" pitchFamily="34" charset="0"/>
+              </a:rPr>
+              <a:t>3</a:t>
+            </a:r>
+            <a:r>
+              <a:rPr lang="zh-CN" altLang="en-US" dirty="0" smtClean="0">
+                <a:latin typeface="Arial" panose="020B0604020202020204" pitchFamily="34" charset="0"/>
+              </a:rPr>
+              <a:t>；</a:t>
+            </a:r>
+            <a:endParaRPr lang="en-US" altLang="zh-CN" dirty="0" smtClean="0">
+              <a:latin typeface="Arial" panose="020B0604020202020204" pitchFamily="34" charset="0"/>
+            </a:endParaRPr>
+          </a:p>
+          <a:p>
+            <a:r>
+              <a:rPr lang="en-US" altLang="zh-CN" dirty="0" smtClean="0">
+                <a:latin typeface="Arial" panose="020B0604020202020204" pitchFamily="34" charset="0"/>
+              </a:rPr>
+              <a:t>2</a:t>
+            </a:r>
+            <a:r>
+              <a:rPr lang="zh-CN" altLang="en-US" dirty="0">
+                <a:latin typeface="Arial" panose="020B0604020202020204" pitchFamily="34" charset="0"/>
+              </a:rPr>
+              <a:t>左边比</a:t>
+            </a:r>
+            <a:r>
+              <a:rPr lang="en-US" altLang="zh-CN" dirty="0">
+                <a:latin typeface="Arial" panose="020B0604020202020204" pitchFamily="34" charset="0"/>
+              </a:rPr>
+              <a:t>2</a:t>
+            </a:r>
+            <a:r>
+              <a:rPr lang="zh-CN" altLang="en-US" dirty="0">
+                <a:latin typeface="Arial" panose="020B0604020202020204" pitchFamily="34" charset="0"/>
+              </a:rPr>
+              <a:t>小的数，</a:t>
+            </a:r>
+            <a:r>
+              <a:rPr lang="en-US" altLang="zh-CN" dirty="0">
+                <a:latin typeface="Arial" panose="020B0604020202020204" pitchFamily="34" charset="0"/>
+              </a:rPr>
+              <a:t>1</a:t>
+            </a:r>
+            <a:r>
+              <a:rPr lang="zh-CN" altLang="en-US" dirty="0" smtClean="0">
+                <a:latin typeface="Arial" panose="020B0604020202020204" pitchFamily="34" charset="0"/>
+              </a:rPr>
+              <a:t>；</a:t>
+            </a:r>
+            <a:endParaRPr lang="en-US" altLang="zh-CN" dirty="0" smtClean="0">
+              <a:latin typeface="Arial" panose="020B0604020202020204" pitchFamily="34" charset="0"/>
+            </a:endParaRPr>
+          </a:p>
+          <a:p>
+            <a:r>
+              <a:rPr lang="en-US" altLang="zh-CN" dirty="0" smtClean="0">
+                <a:latin typeface="Arial" panose="020B0604020202020204" pitchFamily="34" charset="0"/>
+              </a:rPr>
+              <a:t>5</a:t>
+            </a:r>
+            <a:r>
+              <a:rPr lang="zh-CN" altLang="en-US" dirty="0">
+                <a:latin typeface="Arial" panose="020B0604020202020204" pitchFamily="34" charset="0"/>
+              </a:rPr>
+              <a:t>左边比</a:t>
+            </a:r>
+            <a:r>
+              <a:rPr lang="en-US" altLang="zh-CN" dirty="0">
+                <a:latin typeface="Arial" panose="020B0604020202020204" pitchFamily="34" charset="0"/>
+              </a:rPr>
+              <a:t>5</a:t>
+            </a:r>
+            <a:r>
+              <a:rPr lang="zh-CN" altLang="en-US" dirty="0">
+                <a:latin typeface="Arial" panose="020B0604020202020204" pitchFamily="34" charset="0"/>
+              </a:rPr>
+              <a:t>小的数，</a:t>
+            </a:r>
+            <a:r>
+              <a:rPr lang="en-US" altLang="zh-CN" dirty="0">
+                <a:latin typeface="Arial" panose="020B0604020202020204" pitchFamily="34" charset="0"/>
+              </a:rPr>
+              <a:t>1</a:t>
+            </a:r>
+            <a:r>
+              <a:rPr lang="zh-CN" altLang="en-US" dirty="0">
+                <a:latin typeface="Arial" panose="020B0604020202020204" pitchFamily="34" charset="0"/>
+              </a:rPr>
+              <a:t>、</a:t>
+            </a:r>
+            <a:r>
+              <a:rPr lang="en-US" altLang="zh-CN" dirty="0">
+                <a:latin typeface="Arial" panose="020B0604020202020204" pitchFamily="34" charset="0"/>
+              </a:rPr>
+              <a:t>3</a:t>
+            </a:r>
+            <a:r>
+              <a:rPr lang="zh-CN" altLang="en-US" dirty="0">
+                <a:latin typeface="Arial" panose="020B0604020202020204" pitchFamily="34" charset="0"/>
+              </a:rPr>
+              <a:t>、</a:t>
+            </a:r>
+            <a:r>
+              <a:rPr lang="en-US" altLang="zh-CN" dirty="0">
+                <a:latin typeface="Arial" panose="020B0604020202020204" pitchFamily="34" charset="0"/>
+              </a:rPr>
+              <a:t>4</a:t>
+            </a:r>
+            <a:r>
+              <a:rPr lang="zh-CN" altLang="en-US" dirty="0">
+                <a:latin typeface="Arial" panose="020B0604020202020204" pitchFamily="34" charset="0"/>
+              </a:rPr>
+              <a:t>、</a:t>
+            </a:r>
+            <a:r>
+              <a:rPr lang="en-US" altLang="zh-CN" dirty="0">
+                <a:latin typeface="Arial" panose="020B0604020202020204" pitchFamily="34" charset="0"/>
+              </a:rPr>
+              <a:t>2</a:t>
+            </a:r>
+            <a:r>
+              <a:rPr lang="zh-CN" altLang="en-US" dirty="0" smtClean="0">
+                <a:latin typeface="Arial" panose="020B0604020202020204" pitchFamily="34" charset="0"/>
+              </a:rPr>
+              <a:t>；</a:t>
+            </a:r>
+            <a:endParaRPr lang="en-US" altLang="zh-CN" dirty="0" smtClean="0">
+              <a:latin typeface="Arial" panose="020B0604020202020204" pitchFamily="34" charset="0"/>
+            </a:endParaRPr>
+          </a:p>
+          <a:p>
+            <a:r>
+              <a:rPr lang="zh-CN" altLang="en-US" dirty="0" smtClean="0">
+                <a:latin typeface="Arial" panose="020B0604020202020204" pitchFamily="34" charset="0"/>
+              </a:rPr>
+              <a:t>所以</a:t>
+            </a:r>
+            <a:r>
+              <a:rPr lang="zh-CN" altLang="en-US" dirty="0">
+                <a:latin typeface="Arial" panose="020B0604020202020204" pitchFamily="34" charset="0"/>
+              </a:rPr>
+              <a:t>小和为</a:t>
+            </a:r>
+            <a:r>
+              <a:rPr lang="en-US" altLang="zh-CN" dirty="0" smtClean="0">
+                <a:latin typeface="Arial" panose="020B0604020202020204" pitchFamily="34" charset="0"/>
+              </a:rPr>
+              <a:t>1+1+3+1+1+3+4+2=16</a:t>
+            </a:r>
+          </a:p>
+          <a:p>
+            <a:endParaRPr lang="en-US" altLang="zh-CN" dirty="0">
+              <a:latin typeface="Arial" panose="020B0604020202020204" pitchFamily="34" charset="0"/>
+            </a:endParaRPr>
+          </a:p>
+          <a:p>
+            <a:endParaRPr lang="en-US" altLang="zh-CN" dirty="0" smtClean="0">
+              <a:latin typeface="Arial" panose="020B0604020202020204" pitchFamily="34" charset="0"/>
+            </a:endParaRPr>
+          </a:p>
+          <a:p>
+            <a:r>
+              <a:rPr lang="zh-CN" altLang="en-US" dirty="0" smtClean="0">
+                <a:latin typeface="Arial" panose="020B0604020202020204" pitchFamily="34" charset="0"/>
+              </a:rPr>
+              <a:t>逆序</a:t>
+            </a:r>
+            <a:r>
+              <a:rPr lang="zh-CN" altLang="en-US" dirty="0">
+                <a:latin typeface="Arial" panose="020B0604020202020204" pitchFamily="34" charset="0"/>
+              </a:rPr>
+              <a:t>对</a:t>
+            </a:r>
+            <a:r>
+              <a:rPr lang="zh-CN" altLang="en-US" dirty="0" smtClean="0">
+                <a:latin typeface="Arial" panose="020B0604020202020204" pitchFamily="34" charset="0"/>
+              </a:rPr>
+              <a:t>问题</a:t>
+            </a:r>
+            <a:endParaRPr lang="en-US" altLang="zh-CN" dirty="0" smtClean="0">
+              <a:latin typeface="Arial" panose="020B0604020202020204" pitchFamily="34" charset="0"/>
+            </a:endParaRPr>
+          </a:p>
+          <a:p>
+            <a:r>
+              <a:rPr lang="zh-CN" altLang="en-US" dirty="0" smtClean="0">
+                <a:latin typeface="Arial" panose="020B0604020202020204" pitchFamily="34" charset="0"/>
+              </a:rPr>
+              <a:t>在</a:t>
+            </a:r>
+            <a:r>
+              <a:rPr lang="zh-CN" altLang="en-US" dirty="0">
+                <a:latin typeface="Arial" panose="020B0604020202020204" pitchFamily="34" charset="0"/>
+              </a:rPr>
+              <a:t>一个数组中，左边的数如果比右边的数大，则折两个数构成一个逆序对，请打印所有逆序对。</a:t>
+            </a:r>
+            <a:endParaRPr lang="zh-CN" altLang="en-US" dirty="0"/>
+          </a:p>
+        </p:txBody>
+      </p:sp>
+    </p:spTree>
+    <p:extLst>
+      <p:ext uri="{BB962C8B-B14F-4D97-AF65-F5344CB8AC3E}">
+        <p14:creationId xmlns:p14="http://schemas.microsoft.com/office/powerpoint/2010/main" val="206782366"/>
+      </p:ext>
+    </p:extLst>
+  </p:cSld>
+  <p:clrMapOvr>
+    <a:masterClrMapping/>
+  </p:clrMapOvr>
+</p:sld>
+</file>
+
 <file path=ppt/slides/slide2.xml><?xml version="1.0" encoding="utf-8"?>
 <p:sld xmlns:a="http://schemas.openxmlformats.org/drawingml/2006/main" xmlns:r="http://schemas.openxmlformats.org/officeDocument/2006/relationships" xmlns:p="http://schemas.openxmlformats.org/presentationml/2006/main">
   <p:cSld>
@@ -11143,7 +11638,7 @@
         <p:spPr/>
         <p:txBody>
           <a:bodyPr>
-            <a:normAutofit lnSpcReduction="10000"/>
+            <a:normAutofit fontScale="92500"/>
           </a:bodyPr>
           <a:lstStyle/>
           <a:p>
@@ -11153,11 +11648,23 @@
             </a:r>
             <a:r>
               <a:rPr lang="zh-CN" altLang="en-US" dirty="0"/>
-              <a:t>的科学家</a:t>
+              <a:t>的</a:t>
+            </a:r>
+            <a:r>
+              <a:rPr lang="zh-CN" altLang="en-US" dirty="0" smtClean="0"/>
+              <a:t>科学家</a:t>
             </a:r>
             <a:r>
               <a:rPr lang="en-US" altLang="zh-CN" dirty="0" err="1"/>
-              <a:t>N.Wirth</a:t>
+              <a:t>Niklaus</a:t>
+            </a:r>
+            <a:r>
+              <a:rPr lang="en-US" altLang="zh-CN" dirty="0"/>
+              <a:t> </a:t>
+            </a:r>
+            <a:r>
+              <a:rPr lang="en-US" altLang="zh-CN" dirty="0" smtClean="0"/>
+              <a:t>Wirth</a:t>
             </a:r>
             <a:r>
               <a:rPr lang="zh-CN" altLang="en-US" dirty="0"/>
@@ -11188,7 +11695,15 @@
           <a:p>
             <a:r>
               <a:rPr lang="zh-CN" altLang="en-US" dirty="0" smtClean="0"/>
-              <a:t>数据结构：数组，链表，树，图</a:t>
+              <a:t>数据结构：数组</a:t>
+            </a:r>
+            <a:r>
+              <a:rPr lang="zh-CN" altLang="en-US" dirty="0" smtClean="0"/>
+              <a:t>，栈，队列，链表</a:t>
+            </a:r>
+            <a:r>
+              <a:rPr lang="zh-CN" altLang="en-US" dirty="0" smtClean="0"/>
+              <a:t>，树，图</a:t>
             </a:r>
             <a:r>
               <a:rPr lang="zh-CN" altLang="en-US" dirty="0" smtClean="0"/>
@@ -14176,7 +14691,19 @@
           <a:p>
             <a:r>
               <a:rPr lang="zh-CN" altLang="en-US" dirty="0" smtClean="0"/>
-              <a:t>每轮左右相邻比较交换，使得最后一个位置最大</a:t>
+              <a:t>每轮左右</a:t>
+            </a:r>
+            <a:r>
+              <a:rPr lang="zh-CN" altLang="en-US" dirty="0" smtClean="0"/>
+              <a:t>相邻元素比较</a:t>
+            </a:r>
+            <a:r>
+              <a:rPr lang="zh-CN" altLang="en-US" dirty="0" smtClean="0"/>
+              <a:t>交换，使得最后一</a:t>
+            </a:r>
+            <a:r>
+              <a:rPr lang="zh-CN" altLang="en-US" dirty="0" smtClean="0"/>
+              <a:t>个元素最大</a:t>
             </a:r>
             <a:endParaRPr lang="en-US" altLang="zh-CN" dirty="0" smtClean="0"/>
           </a:p>
